--- a/doc/09_Präsentation/praesentation_ms6.pptx
+++ b/doc/09_Präsentation/praesentation_ms6.pptx
@@ -5,7 +5,7 @@
     <p:sldMasterId id="2147483660" r:id="rId1"/>
   </p:sldMasterIdLst>
   <p:notesMasterIdLst>
-    <p:notesMasterId r:id="rId23"/>
+    <p:notesMasterId r:id="rId24"/>
   </p:notesMasterIdLst>
   <p:sldIdLst>
     <p:sldId id="256" r:id="rId2"/>
@@ -25,10 +25,11 @@
     <p:sldId id="297" r:id="rId16"/>
     <p:sldId id="296" r:id="rId17"/>
     <p:sldId id="298" r:id="rId18"/>
-    <p:sldId id="299" r:id="rId19"/>
-    <p:sldId id="300" r:id="rId20"/>
-    <p:sldId id="283" r:id="rId21"/>
-    <p:sldId id="280" r:id="rId22"/>
+    <p:sldId id="301" r:id="rId19"/>
+    <p:sldId id="299" r:id="rId20"/>
+    <p:sldId id="300" r:id="rId21"/>
+    <p:sldId id="283" r:id="rId22"/>
+    <p:sldId id="280" r:id="rId23"/>
   </p:sldIdLst>
   <p:sldSz cx="9144000" cy="6858000" type="screen4x3"/>
   <p:notesSz cx="6858000" cy="9144000"/>
@@ -1729,8 +1730,8 @@
           <a:lstStyle/>
           <a:p>
             <a:r>
-              <a:rPr lang="de-CH" dirty="0" smtClean="0"/>
-              <a:t>Diego</a:t>
+              <a:rPr lang="de-CH" dirty="0" err="1" smtClean="0"/>
+              <a:t>Digi</a:t>
             </a:r>
             <a:endParaRPr lang="de-CH" dirty="0"/>
           </a:p>
@@ -1762,7 +1763,7 @@
     </p:spTree>
     <p:extLst>
       <p:ext uri="{BB962C8B-B14F-4D97-AF65-F5344CB8AC3E}">
-        <p14:creationId xmlns:p14="http://schemas.microsoft.com/office/powerpoint/2010/main" val="212122398"/>
+        <p14:creationId xmlns:p14="http://schemas.microsoft.com/office/powerpoint/2010/main" val="773231806"/>
       </p:ext>
     </p:extLst>
   </p:cSld>
@@ -1818,7 +1819,7 @@
           <a:p>
             <a:r>
               <a:rPr lang="de-CH" dirty="0" smtClean="0"/>
-              <a:t>Wikipedia :-P</a:t>
+              <a:t>Diego</a:t>
             </a:r>
             <a:endParaRPr lang="de-CH" dirty="0"/>
           </a:p>
@@ -1842,6 +1843,94 @@
             <a:fld id="{B897FE81-6B21-41EA-A3E2-976A199E5936}" type="slidenum">
               <a:rPr lang="de-CH" smtClean="0"/>
               <a:t>21</a:t>
+            </a:fld>
+            <a:endParaRPr lang="de-CH"/>
+          </a:p>
+        </p:txBody>
+      </p:sp>
+    </p:spTree>
+    <p:extLst>
+      <p:ext uri="{BB962C8B-B14F-4D97-AF65-F5344CB8AC3E}">
+        <p14:creationId xmlns:p14="http://schemas.microsoft.com/office/powerpoint/2010/main" val="212122398"/>
+      </p:ext>
+    </p:extLst>
+  </p:cSld>
+  <p:clrMapOvr>
+    <a:masterClrMapping/>
+  </p:clrMapOvr>
+</p:notes>
+</file>
+
+<file path=ppt/notesSlides/notesSlide22.xml><?xml version="1.0" encoding="utf-8"?>
+<p:notes xmlns:a="http://schemas.openxmlformats.org/drawingml/2006/main" xmlns:r="http://schemas.openxmlformats.org/officeDocument/2006/relationships" xmlns:p="http://schemas.openxmlformats.org/presentationml/2006/main">
+  <p:cSld>
+    <p:spTree>
+      <p:nvGrpSpPr>
+        <p:cNvPr id="1" name=""/>
+        <p:cNvGrpSpPr/>
+        <p:nvPr/>
+      </p:nvGrpSpPr>
+      <p:grpSpPr>
+        <a:xfrm>
+          <a:off x="0" y="0"/>
+          <a:ext cx="0" cy="0"/>
+          <a:chOff x="0" y="0"/>
+          <a:chExt cx="0" cy="0"/>
+        </a:xfrm>
+      </p:grpSpPr>
+      <p:sp>
+        <p:nvSpPr>
+          <p:cNvPr id="2" name="Folienbildplatzhalter 1"/>
+          <p:cNvSpPr>
+            <a:spLocks noGrp="1" noRot="1" noChangeAspect="1"/>
+          </p:cNvSpPr>
+          <p:nvPr>
+            <p:ph type="sldImg"/>
+          </p:nvPr>
+        </p:nvSpPr>
+        <p:spPr/>
+      </p:sp>
+      <p:sp>
+        <p:nvSpPr>
+          <p:cNvPr id="3" name="Notizenplatzhalter 2"/>
+          <p:cNvSpPr>
+            <a:spLocks noGrp="1"/>
+          </p:cNvSpPr>
+          <p:nvPr>
+            <p:ph type="body" idx="1"/>
+          </p:nvPr>
+        </p:nvSpPr>
+        <p:spPr/>
+        <p:txBody>
+          <a:bodyPr/>
+          <a:lstStyle/>
+          <a:p>
+            <a:r>
+              <a:rPr lang="de-CH" dirty="0" smtClean="0"/>
+              <a:t>Wikipedia :-P</a:t>
+            </a:r>
+            <a:endParaRPr lang="de-CH" dirty="0"/>
+          </a:p>
+        </p:txBody>
+      </p:sp>
+      <p:sp>
+        <p:nvSpPr>
+          <p:cNvPr id="4" name="Foliennummernplatzhalter 3"/>
+          <p:cNvSpPr>
+            <a:spLocks noGrp="1"/>
+          </p:cNvSpPr>
+          <p:nvPr>
+            <p:ph type="sldNum" sz="quarter" idx="10"/>
+          </p:nvPr>
+        </p:nvSpPr>
+        <p:spPr/>
+        <p:txBody>
+          <a:bodyPr/>
+          <a:lstStyle/>
+          <a:p>
+            <a:fld id="{B897FE81-6B21-41EA-A3E2-976A199E5936}" type="slidenum">
+              <a:rPr lang="de-CH" smtClean="0"/>
+              <a:t>22</a:t>
             </a:fld>
             <a:endParaRPr lang="de-CH"/>
           </a:p>
@@ -8464,15 +8553,28 @@
             <p:ph idx="1"/>
           </p:nvPr>
         </p:nvSpPr>
-        <p:spPr/>
+        <p:spPr>
+          <a:xfrm>
+            <a:off x="467544" y="1495325"/>
+            <a:ext cx="8229600" cy="4525963"/>
+          </a:xfrm>
+        </p:spPr>
         <p:txBody>
           <a:bodyPr/>
           <a:lstStyle/>
           <a:p>
             <a:r>
               <a:rPr lang="de-CH" dirty="0" smtClean="0"/>
-              <a:t>Erfolgreiche </a:t>
-            </a:r>
+              <a:t>Projektbeginn schwierig</a:t>
+            </a:r>
+          </a:p>
+          <a:p>
+            <a:r>
+              <a:rPr lang="de-CH" dirty="0" smtClean="0"/>
+              <a:t> </a:t>
+            </a:r>
+          </a:p>
+          <a:p>
             <a:endParaRPr lang="de-CH" dirty="0" smtClean="0"/>
           </a:p>
           <a:p>
@@ -8529,6 +8631,56 @@
           </a:p>
         </p:txBody>
       </p:sp>
+      <p:pic>
+        <p:nvPicPr>
+          <p:cNvPr id="6146" name="Picture 2" descr="C:\Users\schefe\AppData\Local\Microsoft\Windows\Temporary Internet Files\Content.IE5\YW39FB0M\MC900431643[1].png"/>
+          <p:cNvPicPr>
+            <a:picLocks noChangeAspect="1" noChangeArrowheads="1"/>
+          </p:cNvPicPr>
+          <p:nvPr/>
+        </p:nvPicPr>
+        <p:blipFill>
+          <a:blip r:embed="rId3">
+            <a:extLst>
+              <a:ext uri="{28A0092B-C50C-407E-A947-70E740481C1C}">
+                <a14:useLocalDpi xmlns:a14="http://schemas.microsoft.com/office/drawing/2010/main" val="0"/>
+              </a:ext>
+            </a:extLst>
+          </a:blip>
+          <a:srcRect/>
+          <a:stretch>
+            <a:fillRect/>
+          </a:stretch>
+        </p:blipFill>
+        <p:spPr bwMode="auto">
+          <a:xfrm>
+            <a:off x="7210601" y="4869160"/>
+            <a:ext cx="1426468" cy="1426468"/>
+          </a:xfrm>
+          <a:prstGeom prst="rect">
+            <a:avLst/>
+          </a:prstGeom>
+          <a:ln>
+            <a:noFill/>
+          </a:ln>
+          <a:effectLst>
+            <a:outerShdw blurRad="292100" dist="139700" dir="2700000" algn="tl" rotWithShape="0">
+              <a:srgbClr val="333333">
+                <a:alpha val="65000"/>
+              </a:srgbClr>
+            </a:outerShdw>
+          </a:effectLst>
+          <a:extLst>
+            <a:ext uri="{909E8E84-426E-40DD-AFC4-6F175D3DCCD1}">
+              <a14:hiddenFill xmlns:a14="http://schemas.microsoft.com/office/drawing/2010/main">
+                <a:solidFill>
+                  <a:srgbClr val="FFFFFF"/>
+                </a:solidFill>
+              </a14:hiddenFill>
+            </a:ext>
+          </a:extLst>
+        </p:spPr>
+      </p:pic>
     </p:spTree>
     <p:extLst>
       <p:ext uri="{BB962C8B-B14F-4D97-AF65-F5344CB8AC3E}">
@@ -8596,8 +8748,25 @@
           <a:p>
             <a:r>
               <a:rPr lang="de-CH" dirty="0" smtClean="0"/>
-              <a:t> </a:t>
-            </a:r>
+              <a:t>Anwenden von SE1-Prinzipien</a:t>
+            </a:r>
+          </a:p>
+          <a:p>
+            <a:r>
+              <a:rPr lang="de-CH" dirty="0" smtClean="0"/>
+              <a:t>Meilensteine bieten Rahmenstruktur</a:t>
+            </a:r>
+          </a:p>
+          <a:p>
+            <a:r>
+              <a:rPr lang="de-CH" dirty="0" smtClean="0"/>
+              <a:t>Kenntnisse in neuen Technologien erworben</a:t>
+            </a:r>
+          </a:p>
+          <a:p>
+            <a:endParaRPr lang="de-CH" dirty="0" smtClean="0"/>
+          </a:p>
+          <a:p>
             <a:endParaRPr lang="de-CH" dirty="0" smtClean="0"/>
           </a:p>
           <a:p>
@@ -8654,6 +8823,78 @@
           </a:p>
         </p:txBody>
       </p:sp>
+      <p:pic>
+        <p:nvPicPr>
+          <p:cNvPr id="7170" name="Picture 2"/>
+          <p:cNvPicPr>
+            <a:picLocks noChangeAspect="1" noChangeArrowheads="1"/>
+          </p:cNvPicPr>
+          <p:nvPr/>
+        </p:nvPicPr>
+        <p:blipFill>
+          <a:blip r:embed="rId3">
+            <a:extLst>
+              <a:ext uri="{28A0092B-C50C-407E-A947-70E740481C1C}">
+                <a14:useLocalDpi xmlns:a14="http://schemas.microsoft.com/office/drawing/2010/main" val="0"/>
+              </a:ext>
+            </a:extLst>
+          </a:blip>
+          <a:srcRect/>
+          <a:stretch>
+            <a:fillRect/>
+          </a:stretch>
+        </p:blipFill>
+        <p:spPr bwMode="auto">
+          <a:xfrm>
+            <a:off x="7308304" y="4723433"/>
+            <a:ext cx="1428750" cy="1428750"/>
+          </a:xfrm>
+          <a:prstGeom prst="roundRect">
+            <a:avLst>
+              <a:gd name="adj" fmla="val 8594"/>
+            </a:avLst>
+          </a:prstGeom>
+          <a:solidFill>
+            <a:srgbClr val="FFFFFF">
+              <a:shade val="85000"/>
+            </a:srgbClr>
+          </a:solidFill>
+          <a:ln>
+            <a:noFill/>
+          </a:ln>
+          <a:effectLst>
+            <a:reflection blurRad="12700" stA="38000" endPos="28000" dist="5000" dir="5400000" sy="-100000" algn="bl" rotWithShape="0"/>
+          </a:effectLst>
+          <a:extLst>
+            <a:ext uri="{909E8E84-426E-40DD-AFC4-6F175D3DCCD1}">
+              <a14:hiddenFill xmlns:a14="http://schemas.microsoft.com/office/drawing/2010/main">
+                <a:solidFill>
+                  <a:schemeClr val="accent1"/>
+                </a:solidFill>
+              </a14:hiddenFill>
+            </a:ext>
+            <a:ext uri="{91240B29-F687-4F45-9708-019B960494DF}">
+              <a14:hiddenLine xmlns:a14="http://schemas.microsoft.com/office/drawing/2010/main" w="9525">
+                <a:solidFill>
+                  <a:schemeClr val="tx1"/>
+                </a:solidFill>
+                <a:miter lim="800000"/>
+                <a:headEnd/>
+                <a:tailEnd/>
+              </a14:hiddenLine>
+            </a:ext>
+            <a:ext uri="{AF507438-7753-43E0-B8FC-AC1667EBCBE1}">
+              <a14:hiddenEffects xmlns:a14="http://schemas.microsoft.com/office/drawing/2010/main">
+                <a:effectLst>
+                  <a:outerShdw dist="35921" dir="2700000" algn="ctr" rotWithShape="0">
+                    <a:schemeClr val="bg2"/>
+                  </a:outerShdw>
+                </a:effectLst>
+              </a14:hiddenEffects>
+            </a:ext>
+          </a:extLst>
+        </p:spPr>
+      </p:pic>
     </p:spTree>
     <p:extLst>
       <p:ext uri="{BB962C8B-B14F-4D97-AF65-F5344CB8AC3E}">
@@ -8709,77 +8950,56 @@
           <a:p>
             <a:r>
               <a:rPr lang="de-CH" dirty="0" smtClean="0"/>
-              <a:t>Keine schwerwiegenden Probleme</a:t>
+              <a:t>Viele Sitzungen</a:t>
             </a:r>
           </a:p>
           <a:p>
             <a:r>
               <a:rPr lang="de-CH" dirty="0" smtClean="0"/>
-              <a:t>Einarbeitungszeit in Technologien unterschätzt (</a:t>
-            </a:r>
-            <a:r>
-              <a:rPr lang="de-CH" dirty="0" err="1" smtClean="0"/>
-              <a:t>Android</a:t>
-            </a:r>
+              <a:t>Z.T. zu fest auf Details konzentriert</a:t>
+            </a:r>
+          </a:p>
+          <a:p>
             <a:r>
               <a:rPr lang="de-CH" dirty="0" smtClean="0"/>
-              <a:t>, Ruby on </a:t>
-            </a:r>
-            <a:r>
-              <a:rPr lang="de-CH" dirty="0" err="1" smtClean="0"/>
-              <a:t>Rails</a:t>
-            </a:r>
+              <a:t>Aufwand (zu) gross</a:t>
+            </a:r>
+          </a:p>
+          <a:p>
+            <a:endParaRPr lang="de-CH" dirty="0" smtClean="0"/>
+          </a:p>
+          <a:p>
+            <a:endParaRPr lang="de-CH" dirty="0" smtClean="0"/>
+          </a:p>
+          <a:p>
+            <a:endParaRPr lang="de-CH" dirty="0" smtClean="0"/>
+          </a:p>
+          <a:p>
+            <a:endParaRPr lang="de-CH" dirty="0" smtClean="0"/>
+          </a:p>
+          <a:p>
+            <a:endParaRPr lang="de-CH" dirty="0"/>
+          </a:p>
+        </p:txBody>
+      </p:sp>
+      <p:sp>
+        <p:nvSpPr>
+          <p:cNvPr id="3" name="Titel 2"/>
+          <p:cNvSpPr>
+            <a:spLocks noGrp="1"/>
+          </p:cNvSpPr>
+          <p:nvPr>
+            <p:ph type="title"/>
+          </p:nvPr>
+        </p:nvSpPr>
+        <p:spPr/>
+        <p:txBody>
+          <a:bodyPr/>
+          <a:lstStyle/>
+          <a:p>
             <a:r>
               <a:rPr lang="de-CH" dirty="0" smtClean="0"/>
-              <a:t>)</a:t>
-            </a:r>
-          </a:p>
-          <a:p>
-            <a:r>
-              <a:rPr lang="de-CH" dirty="0" smtClean="0"/>
-              <a:t>Abgleichen von Dokumenten bei Konflikten (</a:t>
-            </a:r>
-            <a:r>
-              <a:rPr lang="de-CH" dirty="0" err="1" smtClean="0"/>
-              <a:t>Merging</a:t>
-            </a:r>
-            <a:r>
-              <a:rPr lang="de-CH" dirty="0" smtClean="0"/>
-              <a:t> Tool von Word)</a:t>
-            </a:r>
-          </a:p>
-          <a:p>
-            <a:endParaRPr lang="de-CH" dirty="0" smtClean="0"/>
-          </a:p>
-          <a:p>
-            <a:endParaRPr lang="de-CH" dirty="0" smtClean="0"/>
-          </a:p>
-          <a:p>
-            <a:endParaRPr lang="de-CH" dirty="0" smtClean="0"/>
-          </a:p>
-          <a:p>
-            <a:endParaRPr lang="de-CH" dirty="0"/>
-          </a:p>
-        </p:txBody>
-      </p:sp>
-      <p:sp>
-        <p:nvSpPr>
-          <p:cNvPr id="3" name="Titel 2"/>
-          <p:cNvSpPr>
-            <a:spLocks noGrp="1"/>
-          </p:cNvSpPr>
-          <p:nvPr>
-            <p:ph type="title"/>
-          </p:nvPr>
-        </p:nvSpPr>
-        <p:spPr/>
-        <p:txBody>
-          <a:bodyPr/>
-          <a:lstStyle/>
-          <a:p>
-            <a:r>
-              <a:rPr lang="de-CH" dirty="0" smtClean="0"/>
-              <a:t>Aufgetretene Probleme</a:t>
+              <a:t>Negative Aspekte</a:t>
             </a:r>
             <a:endParaRPr lang="de-CH" dirty="0"/>
           </a:p>
@@ -8803,6 +9023,238 @@
             <a:fld id="{6C6AE60A-B69C-4790-82F7-3882EDF23186}" type="slidenum">
               <a:rPr lang="de-DE" smtClean="0"/>
               <a:t>18</a:t>
+            </a:fld>
+            <a:endParaRPr lang="de-DE"/>
+          </a:p>
+        </p:txBody>
+      </p:sp>
+      <p:pic>
+        <p:nvPicPr>
+          <p:cNvPr id="8194" name="Picture 2"/>
+          <p:cNvPicPr>
+            <a:picLocks noChangeAspect="1" noChangeArrowheads="1"/>
+          </p:cNvPicPr>
+          <p:nvPr/>
+        </p:nvPicPr>
+        <p:blipFill>
+          <a:blip r:embed="rId3">
+            <a:extLst>
+              <a:ext uri="{28A0092B-C50C-407E-A947-70E740481C1C}">
+                <a14:useLocalDpi xmlns:a14="http://schemas.microsoft.com/office/drawing/2010/main" val="0"/>
+              </a:ext>
+            </a:extLst>
+          </a:blip>
+          <a:srcRect/>
+          <a:stretch>
+            <a:fillRect/>
+          </a:stretch>
+        </p:blipFill>
+        <p:spPr bwMode="auto">
+          <a:xfrm>
+            <a:off x="6991543" y="4667063"/>
+            <a:ext cx="1600200" cy="1600200"/>
+          </a:xfrm>
+          <a:prstGeom prst="roundRect">
+            <a:avLst>
+              <a:gd name="adj" fmla="val 8594"/>
+            </a:avLst>
+          </a:prstGeom>
+          <a:solidFill>
+            <a:srgbClr val="FFFFFF">
+              <a:shade val="85000"/>
+            </a:srgbClr>
+          </a:solidFill>
+          <a:ln>
+            <a:noFill/>
+          </a:ln>
+          <a:effectLst>
+            <a:reflection blurRad="12700" stA="38000" endPos="28000" dist="5000" dir="5400000" sy="-100000" algn="bl" rotWithShape="0"/>
+          </a:effectLst>
+          <a:extLst>
+            <a:ext uri="{909E8E84-426E-40DD-AFC4-6F175D3DCCD1}">
+              <a14:hiddenFill xmlns:a14="http://schemas.microsoft.com/office/drawing/2010/main">
+                <a:solidFill>
+                  <a:schemeClr val="accent1"/>
+                </a:solidFill>
+              </a14:hiddenFill>
+            </a:ext>
+            <a:ext uri="{91240B29-F687-4F45-9708-019B960494DF}">
+              <a14:hiddenLine xmlns:a14="http://schemas.microsoft.com/office/drawing/2010/main" w="9525">
+                <a:solidFill>
+                  <a:schemeClr val="tx1"/>
+                </a:solidFill>
+                <a:miter lim="800000"/>
+                <a:headEnd/>
+                <a:tailEnd/>
+              </a14:hiddenLine>
+            </a:ext>
+            <a:ext uri="{AF507438-7753-43E0-B8FC-AC1667EBCBE1}">
+              <a14:hiddenEffects xmlns:a14="http://schemas.microsoft.com/office/drawing/2010/main">
+                <a:effectLst>
+                  <a:outerShdw dist="35921" dir="2700000" algn="ctr" rotWithShape="0">
+                    <a:schemeClr val="bg2"/>
+                  </a:outerShdw>
+                </a:effectLst>
+              </a14:hiddenEffects>
+            </a:ext>
+          </a:extLst>
+        </p:spPr>
+      </p:pic>
+    </p:spTree>
+    <p:extLst>
+      <p:ext uri="{BB962C8B-B14F-4D97-AF65-F5344CB8AC3E}">
+        <p14:creationId xmlns:p14="http://schemas.microsoft.com/office/powerpoint/2010/main" val="539824566"/>
+      </p:ext>
+    </p:extLst>
+  </p:cSld>
+  <p:clrMapOvr>
+    <a:masterClrMapping/>
+  </p:clrMapOvr>
+  <p:transition/>
+  <p:timing>
+    <p:tnLst>
+      <p:par>
+        <p:cTn id="1" dur="indefinite" restart="never" nodeType="tmRoot"/>
+      </p:par>
+    </p:tnLst>
+  </p:timing>
+</p:sld>
+</file>
+
+<file path=ppt/slides/slide19.xml><?xml version="1.0" encoding="utf-8"?>
+<p:sld xmlns:a="http://schemas.openxmlformats.org/drawingml/2006/main" xmlns:r="http://schemas.openxmlformats.org/officeDocument/2006/relationships" xmlns:p="http://schemas.openxmlformats.org/presentationml/2006/main">
+  <p:cSld>
+    <p:spTree>
+      <p:nvGrpSpPr>
+        <p:cNvPr id="1" name=""/>
+        <p:cNvGrpSpPr/>
+        <p:nvPr/>
+      </p:nvGrpSpPr>
+      <p:grpSpPr>
+        <a:xfrm>
+          <a:off x="0" y="0"/>
+          <a:ext cx="0" cy="0"/>
+          <a:chOff x="0" y="0"/>
+          <a:chExt cx="0" cy="0"/>
+        </a:xfrm>
+      </p:grpSpPr>
+      <p:sp>
+        <p:nvSpPr>
+          <p:cNvPr id="2" name="Inhaltsplatzhalter 1"/>
+          <p:cNvSpPr>
+            <a:spLocks noGrp="1"/>
+          </p:cNvSpPr>
+          <p:nvPr>
+            <p:ph idx="1"/>
+          </p:nvPr>
+        </p:nvSpPr>
+        <p:spPr/>
+        <p:txBody>
+          <a:bodyPr/>
+          <a:lstStyle/>
+          <a:p>
+            <a:r>
+              <a:rPr lang="de-CH" dirty="0" smtClean="0"/>
+              <a:t>Keine schwerwiegenden Probleme</a:t>
+            </a:r>
+          </a:p>
+          <a:p>
+            <a:r>
+              <a:rPr lang="de-CH" dirty="0" smtClean="0"/>
+              <a:t>Einarbeitungszeit in Technologien unterschätzt (</a:t>
+            </a:r>
+            <a:r>
+              <a:rPr lang="de-CH" dirty="0" err="1" smtClean="0"/>
+              <a:t>Android</a:t>
+            </a:r>
+            <a:r>
+              <a:rPr lang="de-CH" dirty="0" smtClean="0"/>
+              <a:t>, Ruby on </a:t>
+            </a:r>
+            <a:r>
+              <a:rPr lang="de-CH" dirty="0" err="1" smtClean="0"/>
+              <a:t>Rails</a:t>
+            </a:r>
+            <a:r>
+              <a:rPr lang="de-CH" dirty="0" smtClean="0"/>
+              <a:t>)</a:t>
+            </a:r>
+          </a:p>
+          <a:p>
+            <a:r>
+              <a:rPr lang="de-CH" dirty="0" smtClean="0"/>
+              <a:t>Abgleichen von Dokumenten bei Konflikten (</a:t>
+            </a:r>
+            <a:r>
+              <a:rPr lang="de-CH" dirty="0" err="1" smtClean="0"/>
+              <a:t>Merging</a:t>
+            </a:r>
+            <a:r>
+              <a:rPr lang="de-CH" dirty="0" smtClean="0"/>
+              <a:t> Tool von Word)</a:t>
+            </a:r>
+          </a:p>
+          <a:p>
+            <a:endParaRPr lang="de-CH" dirty="0" smtClean="0"/>
+          </a:p>
+          <a:p>
+            <a:endParaRPr lang="de-CH" dirty="0" smtClean="0"/>
+          </a:p>
+          <a:p>
+            <a:endParaRPr lang="de-CH" dirty="0" smtClean="0"/>
+          </a:p>
+          <a:p>
+            <a:endParaRPr lang="de-CH" dirty="0" smtClean="0"/>
+          </a:p>
+          <a:p>
+            <a:endParaRPr lang="de-CH" dirty="0" smtClean="0"/>
+          </a:p>
+          <a:p>
+            <a:endParaRPr lang="de-CH" dirty="0"/>
+          </a:p>
+        </p:txBody>
+      </p:sp>
+      <p:sp>
+        <p:nvSpPr>
+          <p:cNvPr id="3" name="Titel 2"/>
+          <p:cNvSpPr>
+            <a:spLocks noGrp="1"/>
+          </p:cNvSpPr>
+          <p:nvPr>
+            <p:ph type="title"/>
+          </p:nvPr>
+        </p:nvSpPr>
+        <p:spPr/>
+        <p:txBody>
+          <a:bodyPr/>
+          <a:lstStyle/>
+          <a:p>
+            <a:r>
+              <a:rPr lang="de-CH" dirty="0" smtClean="0"/>
+              <a:t>Aufgetretene Probleme</a:t>
+            </a:r>
+            <a:endParaRPr lang="de-CH" dirty="0"/>
+          </a:p>
+        </p:txBody>
+      </p:sp>
+      <p:sp>
+        <p:nvSpPr>
+          <p:cNvPr id="4" name="Foliennummernplatzhalter 3"/>
+          <p:cNvSpPr>
+            <a:spLocks noGrp="1"/>
+          </p:cNvSpPr>
+          <p:nvPr>
+            <p:ph type="sldNum" sz="quarter" idx="12"/>
+          </p:nvPr>
+        </p:nvSpPr>
+        <p:spPr/>
+        <p:txBody>
+          <a:bodyPr/>
+          <a:lstStyle/>
+          <a:p>
+            <a:fld id="{6C6AE60A-B69C-4790-82F7-3882EDF23186}" type="slidenum">
+              <a:rPr lang="de-DE" smtClean="0"/>
+              <a:t>19</a:t>
             </a:fld>
             <a:endParaRPr lang="de-DE"/>
           </a:p>
@@ -8879,7 +9331,7 @@
 </p:sld>
 </file>
 
-<file path=ppt/slides/slide19.xml><?xml version="1.0" encoding="utf-8"?>
+<file path=ppt/slides/slide2.xml><?xml version="1.0" encoding="utf-8"?>
 <p:sld xmlns:a="http://schemas.openxmlformats.org/drawingml/2006/main" xmlns:r="http://schemas.openxmlformats.org/officeDocument/2006/relationships" xmlns:p="http://schemas.openxmlformats.org/presentationml/2006/main">
   <p:cSld>
     <p:spTree>
@@ -8898,6 +9350,252 @@
       </p:grpSpPr>
       <p:sp>
         <p:nvSpPr>
+          <p:cNvPr id="3" name="Inhaltsplatzhalter 2"/>
+          <p:cNvSpPr>
+            <a:spLocks noGrp="1"/>
+          </p:cNvSpPr>
+          <p:nvPr>
+            <p:ph idx="1"/>
+          </p:nvPr>
+        </p:nvSpPr>
+        <p:spPr/>
+        <p:txBody>
+          <a:bodyPr>
+            <a:normAutofit fontScale="92500" lnSpcReduction="10000"/>
+          </a:bodyPr>
+          <a:lstStyle/>
+          <a:p>
+            <a:r>
+              <a:rPr lang="de-CH" sz="3000" dirty="0" smtClean="0"/>
+              <a:t>Ziele</a:t>
+            </a:r>
+            <a:r>
+              <a:rPr lang="de-CH" sz="3000" dirty="0"/>
+              <a:t> </a:t>
+            </a:r>
+            <a:r>
+              <a:rPr lang="de-CH" sz="3000" dirty="0" smtClean="0"/>
+              <a:t>der Arbeit</a:t>
+            </a:r>
+            <a:endParaRPr lang="de-CH" sz="3000" dirty="0" smtClean="0"/>
+          </a:p>
+          <a:p>
+            <a:r>
+              <a:rPr lang="de-CH" sz="3000" dirty="0" smtClean="0"/>
+              <a:t>Realisierte Funktionen</a:t>
+            </a:r>
+            <a:endParaRPr lang="de-CH" sz="3000" dirty="0" smtClean="0"/>
+          </a:p>
+          <a:p>
+            <a:r>
+              <a:rPr lang="de-CH" sz="3000" dirty="0" smtClean="0"/>
+              <a:t>Live Demo</a:t>
+            </a:r>
+            <a:endParaRPr lang="de-CH" sz="3000" dirty="0" smtClean="0"/>
+          </a:p>
+          <a:p>
+            <a:r>
+              <a:rPr lang="de-CH" sz="3000" dirty="0" smtClean="0"/>
+              <a:t>Übersicht Architektur</a:t>
+            </a:r>
+            <a:endParaRPr lang="de-CH" sz="2200" dirty="0" smtClean="0"/>
+          </a:p>
+          <a:p>
+            <a:pPr lvl="1"/>
+            <a:r>
+              <a:rPr lang="de-CH" sz="2600" dirty="0" smtClean="0"/>
+              <a:t>Problemdomains</a:t>
+            </a:r>
+            <a:endParaRPr lang="de-CH" sz="2600" dirty="0" smtClean="0"/>
+          </a:p>
+          <a:p>
+            <a:pPr lvl="1"/>
+            <a:r>
+              <a:rPr lang="de-CH" sz="2600" dirty="0" smtClean="0"/>
+              <a:t>Tiers &amp; </a:t>
+            </a:r>
+            <a:r>
+              <a:rPr lang="de-CH" sz="2600" dirty="0" err="1" smtClean="0"/>
+              <a:t>Layers</a:t>
+            </a:r>
+            <a:r>
+              <a:rPr lang="de-CH" sz="2600" dirty="0" smtClean="0"/>
+              <a:t> </a:t>
+            </a:r>
+            <a:r>
+              <a:rPr lang="de-CH" sz="2600" dirty="0" smtClean="0">
+                <a:sym typeface="Wingdings" pitchFamily="2" charset="2"/>
+              </a:rPr>
+              <a:t> </a:t>
+            </a:r>
+            <a:r>
+              <a:rPr lang="de-CH" sz="2600" dirty="0" smtClean="0"/>
+              <a:t>Packages</a:t>
+            </a:r>
+          </a:p>
+          <a:p>
+            <a:pPr lvl="1"/>
+            <a:r>
+              <a:rPr lang="de-CH" sz="2600" dirty="0" smtClean="0"/>
+              <a:t>Design Model</a:t>
+            </a:r>
+            <a:endParaRPr lang="de-CH" sz="2600" dirty="0" smtClean="0"/>
+          </a:p>
+          <a:p>
+            <a:r>
+              <a:rPr lang="de-CH" sz="3000" dirty="0" smtClean="0"/>
+              <a:t>Projektumfang</a:t>
+            </a:r>
+          </a:p>
+          <a:p>
+            <a:r>
+              <a:rPr lang="de-CH" sz="3000" dirty="0" smtClean="0"/>
+              <a:t>Aufwand</a:t>
+            </a:r>
+            <a:endParaRPr lang="de-CH" sz="3000" dirty="0" smtClean="0"/>
+          </a:p>
+          <a:p>
+            <a:r>
+              <a:rPr lang="de-CH" sz="3000" dirty="0" smtClean="0"/>
+              <a:t>Projektverlauf</a:t>
+            </a:r>
+            <a:endParaRPr lang="de-CH" sz="3000" dirty="0" smtClean="0"/>
+          </a:p>
+        </p:txBody>
+      </p:sp>
+      <p:sp>
+        <p:nvSpPr>
+          <p:cNvPr id="2" name="Titel 1"/>
+          <p:cNvSpPr>
+            <a:spLocks noGrp="1"/>
+          </p:cNvSpPr>
+          <p:nvPr>
+            <p:ph type="title"/>
+          </p:nvPr>
+        </p:nvSpPr>
+        <p:spPr/>
+        <p:txBody>
+          <a:bodyPr>
+            <a:normAutofit/>
+          </a:bodyPr>
+          <a:lstStyle/>
+          <a:p>
+            <a:r>
+              <a:rPr lang="de-CH" dirty="0" smtClean="0"/>
+              <a:t>Inhalt</a:t>
+            </a:r>
+            <a:endParaRPr lang="de-CH" dirty="0"/>
+          </a:p>
+        </p:txBody>
+      </p:sp>
+      <p:pic>
+        <p:nvPicPr>
+          <p:cNvPr id="2051" name="Picture 3" descr="C:\Users\Lukas Elmer\AppData\Local\Microsoft\Windows\Temporary Internet Files\Content.IE5\E2GAV9V0\MP900409575[1].jpg"/>
+          <p:cNvPicPr>
+            <a:picLocks noChangeAspect="1" noChangeArrowheads="1"/>
+          </p:cNvPicPr>
+          <p:nvPr/>
+        </p:nvPicPr>
+        <p:blipFill>
+          <a:blip r:embed="rId3" cstate="print">
+            <a:extLst>
+              <a:ext uri="{28A0092B-C50C-407E-A947-70E740481C1C}">
+                <a14:useLocalDpi xmlns:a14="http://schemas.microsoft.com/office/drawing/2010/main" val="0"/>
+              </a:ext>
+            </a:extLst>
+          </a:blip>
+          <a:srcRect/>
+          <a:stretch>
+            <a:fillRect/>
+          </a:stretch>
+        </p:blipFill>
+        <p:spPr bwMode="auto">
+          <a:xfrm>
+            <a:off x="7236295" y="4581128"/>
+            <a:ext cx="1620279" cy="1620279"/>
+          </a:xfrm>
+          <a:prstGeom prst="roundRect">
+            <a:avLst>
+              <a:gd name="adj" fmla="val 8594"/>
+            </a:avLst>
+          </a:prstGeom>
+          <a:solidFill>
+            <a:srgbClr val="FFFFFF">
+              <a:shade val="85000"/>
+            </a:srgbClr>
+          </a:solidFill>
+          <a:ln>
+            <a:noFill/>
+          </a:ln>
+          <a:effectLst>
+            <a:reflection blurRad="12700" stA="38000" endPos="28000" dist="5000" dir="5400000" sy="-100000" algn="bl" rotWithShape="0"/>
+          </a:effectLst>
+          <a:extLst/>
+        </p:spPr>
+      </p:pic>
+      <p:sp>
+        <p:nvSpPr>
+          <p:cNvPr id="4" name="Foliennummernplatzhalter 3"/>
+          <p:cNvSpPr>
+            <a:spLocks noGrp="1"/>
+          </p:cNvSpPr>
+          <p:nvPr>
+            <p:ph type="sldNum" sz="quarter" idx="12"/>
+          </p:nvPr>
+        </p:nvSpPr>
+        <p:spPr/>
+        <p:txBody>
+          <a:bodyPr/>
+          <a:lstStyle/>
+          <a:p>
+            <a:fld id="{6C6AE60A-B69C-4790-82F7-3882EDF23186}" type="slidenum">
+              <a:rPr lang="de-DE" smtClean="0"/>
+              <a:t>2</a:t>
+            </a:fld>
+            <a:endParaRPr lang="de-DE"/>
+          </a:p>
+        </p:txBody>
+      </p:sp>
+    </p:spTree>
+    <p:extLst>
+      <p:ext uri="{BB962C8B-B14F-4D97-AF65-F5344CB8AC3E}">
+        <p14:creationId xmlns:p14="http://schemas.microsoft.com/office/powerpoint/2010/main" val="3627624472"/>
+      </p:ext>
+    </p:extLst>
+  </p:cSld>
+  <p:clrMapOvr>
+    <a:masterClrMapping/>
+  </p:clrMapOvr>
+  <p:transition/>
+  <p:timing>
+    <p:tnLst>
+      <p:par>
+        <p:cTn id="1" dur="indefinite" restart="never" nodeType="tmRoot"/>
+      </p:par>
+    </p:tnLst>
+  </p:timing>
+</p:sld>
+</file>
+
+<file path=ppt/slides/slide20.xml><?xml version="1.0" encoding="utf-8"?>
+<p:sld xmlns:a="http://schemas.openxmlformats.org/drawingml/2006/main" xmlns:r="http://schemas.openxmlformats.org/officeDocument/2006/relationships" xmlns:p="http://schemas.openxmlformats.org/presentationml/2006/main">
+  <p:cSld>
+    <p:spTree>
+      <p:nvGrpSpPr>
+        <p:cNvPr id="1" name=""/>
+        <p:cNvGrpSpPr/>
+        <p:nvPr/>
+      </p:nvGrpSpPr>
+      <p:grpSpPr>
+        <a:xfrm>
+          <a:off x="0" y="0"/>
+          <a:ext cx="0" cy="0"/>
+          <a:chOff x="0" y="0"/>
+          <a:chExt cx="0" cy="0"/>
+        </a:xfrm>
+      </p:grpSpPr>
+      <p:sp>
+        <p:nvSpPr>
           <p:cNvPr id="2" name="Inhaltsplatzhalter 1"/>
           <p:cNvSpPr>
             <a:spLocks noGrp="1"/>
@@ -9022,7 +9720,7 @@
           <a:p>
             <a:fld id="{6C6AE60A-B69C-4790-82F7-3882EDF23186}" type="slidenum">
               <a:rPr lang="de-DE" smtClean="0"/>
-              <a:t>19</a:t>
+              <a:t>20</a:t>
             </a:fld>
             <a:endParaRPr lang="de-DE"/>
           </a:p>
@@ -9102,7 +9800,7 @@
 </p:sld>
 </file>
 
-<file path=ppt/slides/slide2.xml><?xml version="1.0" encoding="utf-8"?>
+<file path=ppt/slides/slide21.xml><?xml version="1.0" encoding="utf-8"?>
 <p:sld xmlns:a="http://schemas.openxmlformats.org/drawingml/2006/main" xmlns:r="http://schemas.openxmlformats.org/officeDocument/2006/relationships" xmlns:p="http://schemas.openxmlformats.org/presentationml/2006/main">
   <p:cSld>
     <p:spTree>
@@ -9121,7 +9819,7 @@
       </p:grpSpPr>
       <p:sp>
         <p:nvSpPr>
-          <p:cNvPr id="3" name="Inhaltsplatzhalter 2"/>
+          <p:cNvPr id="2" name="Inhaltsplatzhalter 1"/>
           <p:cNvSpPr>
             <a:spLocks noGrp="1"/>
           </p:cNvSpPr>
@@ -9131,112 +9829,46 @@
         </p:nvSpPr>
         <p:spPr/>
         <p:txBody>
-          <a:bodyPr>
-            <a:normAutofit fontScale="92500" lnSpcReduction="10000"/>
-          </a:bodyPr>
+          <a:bodyPr/>
           <a:lstStyle/>
           <a:p>
             <a:r>
-              <a:rPr lang="de-CH" sz="3000" dirty="0" smtClean="0"/>
-              <a:t>Ziele</a:t>
-            </a:r>
-            <a:r>
-              <a:rPr lang="de-CH" sz="3000" dirty="0"/>
-              <a:t> </a:t>
-            </a:r>
-            <a:r>
-              <a:rPr lang="de-CH" sz="3000" dirty="0" smtClean="0"/>
-              <a:t>der Arbeit</a:t>
-            </a:r>
-            <a:endParaRPr lang="de-CH" sz="3000" dirty="0" smtClean="0"/>
-          </a:p>
-          <a:p>
-            <a:r>
-              <a:rPr lang="de-CH" sz="3000" dirty="0" smtClean="0"/>
-              <a:t>Realisierte Funktionen</a:t>
-            </a:r>
-            <a:endParaRPr lang="de-CH" sz="3000" dirty="0" smtClean="0"/>
-          </a:p>
-          <a:p>
-            <a:r>
-              <a:rPr lang="de-CH" sz="3000" dirty="0" smtClean="0"/>
-              <a:t>Live Demo</a:t>
-            </a:r>
-            <a:endParaRPr lang="de-CH" sz="3000" dirty="0" smtClean="0"/>
-          </a:p>
-          <a:p>
-            <a:r>
-              <a:rPr lang="de-CH" sz="3000" dirty="0" smtClean="0"/>
-              <a:t>Übersicht Architektur</a:t>
-            </a:r>
-            <a:endParaRPr lang="de-CH" sz="2200" dirty="0" smtClean="0"/>
-          </a:p>
-          <a:p>
-            <a:pPr lvl="1"/>
-            <a:r>
-              <a:rPr lang="de-CH" sz="2600" dirty="0" smtClean="0"/>
-              <a:t>Problemdomains</a:t>
-            </a:r>
-            <a:endParaRPr lang="de-CH" sz="2600" dirty="0" smtClean="0"/>
-          </a:p>
-          <a:p>
-            <a:pPr lvl="1"/>
-            <a:r>
-              <a:rPr lang="de-CH" sz="2600" dirty="0" smtClean="0"/>
-              <a:t>Tiers &amp; </a:t>
-            </a:r>
-            <a:r>
-              <a:rPr lang="de-CH" sz="2600" dirty="0" err="1" smtClean="0"/>
-              <a:t>Layers</a:t>
-            </a:r>
-            <a:r>
-              <a:rPr lang="de-CH" sz="2600" dirty="0" smtClean="0"/>
-              <a:t> </a:t>
-            </a:r>
-            <a:r>
-              <a:rPr lang="de-CH" sz="2600" dirty="0" smtClean="0">
-                <a:sym typeface="Wingdings" pitchFamily="2" charset="2"/>
-              </a:rPr>
-              <a:t> </a:t>
-            </a:r>
-            <a:r>
-              <a:rPr lang="de-CH" sz="2600" dirty="0" smtClean="0"/>
-              <a:t>Packages</a:t>
-            </a:r>
-          </a:p>
-          <a:p>
-            <a:pPr lvl="1"/>
-            <a:r>
-              <a:rPr lang="de-CH" sz="2600" dirty="0" smtClean="0"/>
-              <a:t>Design Model</a:t>
-            </a:r>
-            <a:endParaRPr lang="de-CH" sz="2600" dirty="0" smtClean="0"/>
-          </a:p>
-          <a:p>
-            <a:r>
-              <a:rPr lang="de-CH" sz="3000" dirty="0" smtClean="0"/>
-              <a:t>Projektumfang</a:t>
-            </a:r>
-          </a:p>
-          <a:p>
-            <a:r>
-              <a:rPr lang="de-CH" sz="3000" dirty="0" smtClean="0"/>
-              <a:t>Aufwand</a:t>
-            </a:r>
-            <a:endParaRPr lang="de-CH" sz="3000" dirty="0" smtClean="0"/>
-          </a:p>
-          <a:p>
-            <a:r>
-              <a:rPr lang="de-CH" sz="3000" dirty="0" smtClean="0"/>
-              <a:t>Projektverlauf</a:t>
-            </a:r>
-            <a:endParaRPr lang="de-CH" sz="3000" dirty="0" smtClean="0"/>
-          </a:p>
-        </p:txBody>
-      </p:sp>
-      <p:sp>
-        <p:nvSpPr>
-          <p:cNvPr id="2" name="Titel 1"/>
+              <a:rPr lang="de-CH" dirty="0" smtClean="0"/>
+              <a:t>Projekt erfolgreich abgeschlossen</a:t>
+            </a:r>
+          </a:p>
+          <a:p>
+            <a:r>
+              <a:rPr lang="de-CH" dirty="0" smtClean="0"/>
+              <a:t>Gute Zusammenarbeit im Team</a:t>
+            </a:r>
+          </a:p>
+          <a:p>
+            <a:r>
+              <a:rPr lang="de-CH" dirty="0" smtClean="0"/>
+              <a:t>Anwendung SE1 Kenntnisse</a:t>
+            </a:r>
+          </a:p>
+          <a:p>
+            <a:r>
+              <a:rPr lang="de-CH" dirty="0" smtClean="0"/>
+              <a:t>Zum Teil schwierig Arbeiten zu koordinieren</a:t>
+            </a:r>
+          </a:p>
+          <a:p>
+            <a:endParaRPr lang="de-CH" dirty="0" smtClean="0"/>
+          </a:p>
+          <a:p>
+            <a:endParaRPr lang="de-CH" dirty="0"/>
+          </a:p>
+          <a:p>
+            <a:endParaRPr lang="de-CH" dirty="0"/>
+          </a:p>
+        </p:txBody>
+      </p:sp>
+      <p:sp>
+        <p:nvSpPr>
+          <p:cNvPr id="3" name="Titel 2"/>
           <p:cNvSpPr>
             <a:spLocks noGrp="1"/>
           </p:cNvSpPr>
@@ -9246,29 +9878,50 @@
         </p:nvSpPr>
         <p:spPr/>
         <p:txBody>
-          <a:bodyPr>
-            <a:normAutofit/>
-          </a:bodyPr>
+          <a:bodyPr/>
           <a:lstStyle/>
           <a:p>
             <a:r>
               <a:rPr lang="de-CH" dirty="0" smtClean="0"/>
-              <a:t>Inhalt</a:t>
+              <a:t>Zusammenfassung</a:t>
             </a:r>
             <a:endParaRPr lang="de-CH" dirty="0"/>
+          </a:p>
+        </p:txBody>
+      </p:sp>
+      <p:sp>
+        <p:nvSpPr>
+          <p:cNvPr id="4" name="Foliennummernplatzhalter 3"/>
+          <p:cNvSpPr>
+            <a:spLocks noGrp="1"/>
+          </p:cNvSpPr>
+          <p:nvPr>
+            <p:ph type="sldNum" sz="quarter" idx="12"/>
+          </p:nvPr>
+        </p:nvSpPr>
+        <p:spPr/>
+        <p:txBody>
+          <a:bodyPr/>
+          <a:lstStyle/>
+          <a:p>
+            <a:fld id="{6C6AE60A-B69C-4790-82F7-3882EDF23186}" type="slidenum">
+              <a:rPr lang="de-DE" smtClean="0"/>
+              <a:t>21</a:t>
+            </a:fld>
+            <a:endParaRPr lang="de-DE"/>
           </a:p>
         </p:txBody>
       </p:sp>
       <p:pic>
         <p:nvPicPr>
-          <p:cNvPr id="2051" name="Picture 3" descr="C:\Users\Lukas Elmer\AppData\Local\Microsoft\Windows\Temporary Internet Files\Content.IE5\E2GAV9V0\MP900409575[1].jpg"/>
+          <p:cNvPr id="5123" name="Picture 3"/>
           <p:cNvPicPr>
             <a:picLocks noChangeAspect="1" noChangeArrowheads="1"/>
           </p:cNvPicPr>
           <p:nvPr/>
         </p:nvPicPr>
         <p:blipFill>
-          <a:blip r:embed="rId3" cstate="print">
+          <a:blip r:embed="rId3">
             <a:extLst>
               <a:ext uri="{28A0092B-C50C-407E-A947-70E740481C1C}">
                 <a14:useLocalDpi xmlns:a14="http://schemas.microsoft.com/office/drawing/2010/main" val="0"/>
@@ -9282,184 +9935,52 @@
         </p:blipFill>
         <p:spPr bwMode="auto">
           <a:xfrm>
-            <a:off x="7236295" y="4581128"/>
-            <a:ext cx="1620279" cy="1620279"/>
+            <a:off x="7020272" y="4878685"/>
+            <a:ext cx="1553303" cy="1501526"/>
           </a:xfrm>
-          <a:prstGeom prst="roundRect">
-            <a:avLst>
-              <a:gd name="adj" fmla="val 8594"/>
-            </a:avLst>
+          <a:prstGeom prst="rect">
+            <a:avLst/>
           </a:prstGeom>
-          <a:solidFill>
-            <a:srgbClr val="FFFFFF">
-              <a:shade val="85000"/>
-            </a:srgbClr>
-          </a:solidFill>
           <a:ln>
             <a:noFill/>
           </a:ln>
           <a:effectLst>
-            <a:reflection blurRad="12700" stA="38000" endPos="28000" dist="5000" dir="5400000" sy="-100000" algn="bl" rotWithShape="0"/>
+            <a:outerShdw blurRad="292100" dist="139700" dir="2700000" algn="tl" rotWithShape="0">
+              <a:srgbClr val="333333">
+                <a:alpha val="65000"/>
+              </a:srgbClr>
+            </a:outerShdw>
           </a:effectLst>
-          <a:extLst/>
+          <a:extLst>
+            <a:ext uri="{909E8E84-426E-40DD-AFC4-6F175D3DCCD1}">
+              <a14:hiddenFill xmlns:a14="http://schemas.microsoft.com/office/drawing/2010/main">
+                <a:solidFill>
+                  <a:schemeClr val="accent1"/>
+                </a:solidFill>
+              </a14:hiddenFill>
+            </a:ext>
+            <a:ext uri="{91240B29-F687-4F45-9708-019B960494DF}">
+              <a14:hiddenLine xmlns:a14="http://schemas.microsoft.com/office/drawing/2010/main" w="9525">
+                <a:solidFill>
+                  <a:schemeClr val="tx1"/>
+                </a:solidFill>
+                <a:miter lim="800000"/>
+                <a:headEnd/>
+                <a:tailEnd/>
+              </a14:hiddenLine>
+            </a:ext>
+            <a:ext uri="{AF507438-7753-43E0-B8FC-AC1667EBCBE1}">
+              <a14:hiddenEffects xmlns:a14="http://schemas.microsoft.com/office/drawing/2010/main">
+                <a:effectLst>
+                  <a:outerShdw dist="35921" dir="2700000" algn="ctr" rotWithShape="0">
+                    <a:schemeClr val="bg2"/>
+                  </a:outerShdw>
+                </a:effectLst>
+              </a14:hiddenEffects>
+            </a:ext>
+          </a:extLst>
         </p:spPr>
       </p:pic>
-      <p:sp>
-        <p:nvSpPr>
-          <p:cNvPr id="4" name="Foliennummernplatzhalter 3"/>
-          <p:cNvSpPr>
-            <a:spLocks noGrp="1"/>
-          </p:cNvSpPr>
-          <p:nvPr>
-            <p:ph type="sldNum" sz="quarter" idx="12"/>
-          </p:nvPr>
-        </p:nvSpPr>
-        <p:spPr/>
-        <p:txBody>
-          <a:bodyPr/>
-          <a:lstStyle/>
-          <a:p>
-            <a:fld id="{6C6AE60A-B69C-4790-82F7-3882EDF23186}" type="slidenum">
-              <a:rPr lang="de-DE" smtClean="0"/>
-              <a:t>2</a:t>
-            </a:fld>
-            <a:endParaRPr lang="de-DE"/>
-          </a:p>
-        </p:txBody>
-      </p:sp>
-    </p:spTree>
-    <p:extLst>
-      <p:ext uri="{BB962C8B-B14F-4D97-AF65-F5344CB8AC3E}">
-        <p14:creationId xmlns:p14="http://schemas.microsoft.com/office/powerpoint/2010/main" val="3627624472"/>
-      </p:ext>
-    </p:extLst>
-  </p:cSld>
-  <p:clrMapOvr>
-    <a:masterClrMapping/>
-  </p:clrMapOvr>
-  <p:transition/>
-  <p:timing>
-    <p:tnLst>
-      <p:par>
-        <p:cTn id="1" dur="indefinite" restart="never" nodeType="tmRoot"/>
-      </p:par>
-    </p:tnLst>
-  </p:timing>
-</p:sld>
-</file>
-
-<file path=ppt/slides/slide20.xml><?xml version="1.0" encoding="utf-8"?>
-<p:sld xmlns:a="http://schemas.openxmlformats.org/drawingml/2006/main" xmlns:r="http://schemas.openxmlformats.org/officeDocument/2006/relationships" xmlns:p="http://schemas.openxmlformats.org/presentationml/2006/main">
-  <p:cSld>
-    <p:spTree>
-      <p:nvGrpSpPr>
-        <p:cNvPr id="1" name=""/>
-        <p:cNvGrpSpPr/>
-        <p:nvPr/>
-      </p:nvGrpSpPr>
-      <p:grpSpPr>
-        <a:xfrm>
-          <a:off x="0" y="0"/>
-          <a:ext cx="0" cy="0"/>
-          <a:chOff x="0" y="0"/>
-          <a:chExt cx="0" cy="0"/>
-        </a:xfrm>
-      </p:grpSpPr>
-      <p:sp>
-        <p:nvSpPr>
-          <p:cNvPr id="2" name="Inhaltsplatzhalter 1"/>
-          <p:cNvSpPr>
-            <a:spLocks noGrp="1"/>
-          </p:cNvSpPr>
-          <p:nvPr>
-            <p:ph idx="1"/>
-          </p:nvPr>
-        </p:nvSpPr>
-        <p:spPr/>
-        <p:txBody>
-          <a:bodyPr/>
-          <a:lstStyle/>
-          <a:p>
-            <a:r>
-              <a:rPr lang="de-CH" dirty="0" smtClean="0"/>
-              <a:t>Projekt erfolgreich abgeschlossen</a:t>
-            </a:r>
-          </a:p>
-          <a:p>
-            <a:r>
-              <a:rPr lang="de-CH" dirty="0" smtClean="0"/>
-              <a:t>Gute Zusammenarbeit im Team</a:t>
-            </a:r>
-          </a:p>
-          <a:p>
-            <a:r>
-              <a:rPr lang="de-CH" dirty="0" smtClean="0"/>
-              <a:t>Anwendung SE1 Kenntnisse</a:t>
-            </a:r>
-          </a:p>
-          <a:p>
-            <a:r>
-              <a:rPr lang="de-CH" dirty="0" smtClean="0"/>
-              <a:t>Zum Teil schwierig Arbeiten zu koordinieren</a:t>
-            </a:r>
-          </a:p>
-          <a:p>
-            <a:endParaRPr lang="de-CH" dirty="0" smtClean="0"/>
-          </a:p>
-          <a:p>
-            <a:endParaRPr lang="de-CH" dirty="0"/>
-          </a:p>
-          <a:p>
-            <a:endParaRPr lang="de-CH" dirty="0"/>
-          </a:p>
-        </p:txBody>
-      </p:sp>
-      <p:sp>
-        <p:nvSpPr>
-          <p:cNvPr id="3" name="Titel 2"/>
-          <p:cNvSpPr>
-            <a:spLocks noGrp="1"/>
-          </p:cNvSpPr>
-          <p:nvPr>
-            <p:ph type="title"/>
-          </p:nvPr>
-        </p:nvSpPr>
-        <p:spPr/>
-        <p:txBody>
-          <a:bodyPr/>
-          <a:lstStyle/>
-          <a:p>
-            <a:r>
-              <a:rPr lang="de-CH" dirty="0" smtClean="0"/>
-              <a:t>Zusammenfassung</a:t>
-            </a:r>
-            <a:endParaRPr lang="de-CH" dirty="0"/>
-          </a:p>
-        </p:txBody>
-      </p:sp>
-      <p:sp>
-        <p:nvSpPr>
-          <p:cNvPr id="4" name="Foliennummernplatzhalter 3"/>
-          <p:cNvSpPr>
-            <a:spLocks noGrp="1"/>
-          </p:cNvSpPr>
-          <p:nvPr>
-            <p:ph type="sldNum" sz="quarter" idx="12"/>
-          </p:nvPr>
-        </p:nvSpPr>
-        <p:spPr/>
-        <p:txBody>
-          <a:bodyPr/>
-          <a:lstStyle/>
-          <a:p>
-            <a:fld id="{6C6AE60A-B69C-4790-82F7-3882EDF23186}" type="slidenum">
-              <a:rPr lang="de-DE" smtClean="0"/>
-              <a:t>20</a:t>
-            </a:fld>
-            <a:endParaRPr lang="de-DE"/>
-          </a:p>
-        </p:txBody>
-      </p:sp>
     </p:spTree>
     <p:extLst>
       <p:ext uri="{BB962C8B-B14F-4D97-AF65-F5344CB8AC3E}">
@@ -9481,7 +10002,7 @@
 </p:sld>
 </file>
 
-<file path=ppt/slides/slide21.xml><?xml version="1.0" encoding="utf-8"?>
+<file path=ppt/slides/slide22.xml><?xml version="1.0" encoding="utf-8"?>
 <p:sld xmlns:a="http://schemas.openxmlformats.org/drawingml/2006/main" xmlns:r="http://schemas.openxmlformats.org/officeDocument/2006/relationships" xmlns:p="http://schemas.openxmlformats.org/presentationml/2006/main">
   <p:cSld>
     <p:spTree>
@@ -9614,7 +10135,7 @@
           <a:p>
             <a:fld id="{6C6AE60A-B69C-4790-82F7-3882EDF23186}" type="slidenum">
               <a:rPr lang="de-DE" smtClean="0"/>
-              <a:t>21</a:t>
+              <a:t>22</a:t>
             </a:fld>
             <a:endParaRPr lang="de-DE"/>
           </a:p>
